--- a/A legfurcsább programozási nyelvek.pptx
+++ b/A legfurcsább programozási nyelvek.pptx
@@ -8,6 +8,9 @@
     <p:sldId id="256" r:id="rId2"/>
     <p:sldId id="257" r:id="rId3"/>
     <p:sldId id="258" r:id="rId4"/>
+    <p:sldId id="259" r:id="rId5"/>
+    <p:sldId id="260" r:id="rId6"/>
+    <p:sldId id="261" r:id="rId7"/>
   </p:sldIdLst>
   <p:sldSz cx="12192000" cy="6858000"/>
   <p:notesSz cx="6858000" cy="9144000"/>
@@ -106,6 +109,11 @@
       </a:defRPr>
     </a:lvl9pPr>
   </p:defaultTextStyle>
+  <p:extLst>
+    <p:ext uri="{EFAFB233-063F-42B5-8137-9DF3F51BA10A}">
+      <p15:sldGuideLst xmlns:p15="http://schemas.microsoft.com/office/powerpoint/2012/main"/>
+    </p:ext>
+  </p:extLst>
 </p:presentation>
 </file>
 
@@ -301,7 +309,7 @@
             <a:fld id="{B61BEF0D-F0BB-DE4B-95CE-6DB70DBA9567}" type="datetimeFigureOut">
               <a:rPr lang="en-US" dirty="0"/>
               <a:pPr/>
-              <a:t>9/9/2022</a:t>
+              <a:t>9/13/2022</a:t>
             </a:fld>
             <a:endParaRPr lang="en-US" dirty="0"/>
           </a:p>
@@ -734,7 +742,7 @@
             <a:fld id="{B61BEF0D-F0BB-DE4B-95CE-6DB70DBA9567}" type="datetimeFigureOut">
               <a:rPr lang="en-US" dirty="0"/>
               <a:pPr/>
-              <a:t>9/9/2022</a:t>
+              <a:t>9/13/2022</a:t>
             </a:fld>
             <a:endParaRPr lang="en-US" dirty="0"/>
           </a:p>
@@ -981,7 +989,7 @@
             <a:fld id="{B61BEF0D-F0BB-DE4B-95CE-6DB70DBA9567}" type="datetimeFigureOut">
               <a:rPr lang="en-US" dirty="0"/>
               <a:pPr/>
-              <a:t>9/9/2022</a:t>
+              <a:t>9/13/2022</a:t>
             </a:fld>
             <a:endParaRPr lang="en-US" dirty="0"/>
           </a:p>
@@ -1286,7 +1294,7 @@
             <a:fld id="{B61BEF0D-F0BB-DE4B-95CE-6DB70DBA9567}" type="datetimeFigureOut">
               <a:rPr lang="en-US" dirty="0"/>
               <a:pPr/>
-              <a:t>9/9/2022</a:t>
+              <a:t>9/13/2022</a:t>
             </a:fld>
             <a:endParaRPr lang="en-US" dirty="0"/>
           </a:p>
@@ -1601,7 +1609,7 @@
             <a:fld id="{B61BEF0D-F0BB-DE4B-95CE-6DB70DBA9567}" type="datetimeFigureOut">
               <a:rPr lang="en-US" dirty="0"/>
               <a:pPr/>
-              <a:t>9/9/2022</a:t>
+              <a:t>9/13/2022</a:t>
             </a:fld>
             <a:endParaRPr lang="en-US" dirty="0"/>
           </a:p>
@@ -1900,7 +1908,7 @@
             <a:fld id="{B61BEF0D-F0BB-DE4B-95CE-6DB70DBA9567}" type="datetimeFigureOut">
               <a:rPr lang="en-US" dirty="0"/>
               <a:pPr/>
-              <a:t>9/9/2022</a:t>
+              <a:t>9/13/2022</a:t>
             </a:fld>
             <a:endParaRPr lang="en-US" dirty="0"/>
           </a:p>
@@ -2264,7 +2272,7 @@
             <a:fld id="{B61BEF0D-F0BB-DE4B-95CE-6DB70DBA9567}" type="datetimeFigureOut">
               <a:rPr lang="en-US" dirty="0"/>
               <a:pPr/>
-              <a:t>9/9/2022</a:t>
+              <a:t>9/13/2022</a:t>
             </a:fld>
             <a:endParaRPr lang="en-US" dirty="0"/>
           </a:p>
@@ -2435,7 +2443,7 @@
             <a:fld id="{B61BEF0D-F0BB-DE4B-95CE-6DB70DBA9567}" type="datetimeFigureOut">
               <a:rPr lang="en-US" dirty="0"/>
               <a:pPr/>
-              <a:t>9/9/2022</a:t>
+              <a:t>9/13/2022</a:t>
             </a:fld>
             <a:endParaRPr lang="en-US" dirty="0"/>
           </a:p>
@@ -2612,7 +2620,7 @@
             <a:fld id="{B61BEF0D-F0BB-DE4B-95CE-6DB70DBA9567}" type="datetimeFigureOut">
               <a:rPr lang="en-US" dirty="0"/>
               <a:pPr/>
-              <a:t>9/9/2022</a:t>
+              <a:t>9/13/2022</a:t>
             </a:fld>
             <a:endParaRPr lang="en-US" dirty="0"/>
           </a:p>
@@ -2779,7 +2787,7 @@
             <a:fld id="{B61BEF0D-F0BB-DE4B-95CE-6DB70DBA9567}" type="datetimeFigureOut">
               <a:rPr lang="en-US" dirty="0"/>
               <a:pPr/>
-              <a:t>9/9/2022</a:t>
+              <a:t>9/13/2022</a:t>
             </a:fld>
             <a:endParaRPr lang="en-US" dirty="0"/>
           </a:p>
@@ -3026,7 +3034,7 @@
             <a:fld id="{B61BEF0D-F0BB-DE4B-95CE-6DB70DBA9567}" type="datetimeFigureOut">
               <a:rPr lang="en-US" dirty="0"/>
               <a:pPr/>
-              <a:t>9/9/2022</a:t>
+              <a:t>9/13/2022</a:t>
             </a:fld>
             <a:endParaRPr lang="en-US" dirty="0"/>
           </a:p>
@@ -3259,7 +3267,7 @@
             <a:fld id="{B61BEF0D-F0BB-DE4B-95CE-6DB70DBA9567}" type="datetimeFigureOut">
               <a:rPr lang="en-US" dirty="0"/>
               <a:pPr/>
-              <a:t>9/9/2022</a:t>
+              <a:t>9/13/2022</a:t>
             </a:fld>
             <a:endParaRPr lang="en-US" dirty="0"/>
           </a:p>
@@ -3638,7 +3646,7 @@
             <a:fld id="{B61BEF0D-F0BB-DE4B-95CE-6DB70DBA9567}" type="datetimeFigureOut">
               <a:rPr lang="en-US" dirty="0"/>
               <a:pPr/>
-              <a:t>9/9/2022</a:t>
+              <a:t>9/13/2022</a:t>
             </a:fld>
             <a:endParaRPr lang="en-US" dirty="0"/>
           </a:p>
@@ -3753,7 +3761,7 @@
             <a:fld id="{B61BEF0D-F0BB-DE4B-95CE-6DB70DBA9567}" type="datetimeFigureOut">
               <a:rPr lang="en-US" dirty="0"/>
               <a:pPr/>
-              <a:t>9/9/2022</a:t>
+              <a:t>9/13/2022</a:t>
             </a:fld>
             <a:endParaRPr lang="en-US" dirty="0"/>
           </a:p>
@@ -3845,7 +3853,7 @@
             <a:fld id="{B61BEF0D-F0BB-DE4B-95CE-6DB70DBA9567}" type="datetimeFigureOut">
               <a:rPr lang="en-US" dirty="0"/>
               <a:pPr/>
-              <a:t>9/9/2022</a:t>
+              <a:t>9/13/2022</a:t>
             </a:fld>
             <a:endParaRPr lang="en-US" dirty="0"/>
           </a:p>
@@ -4097,7 +4105,7 @@
             <a:fld id="{B61BEF0D-F0BB-DE4B-95CE-6DB70DBA9567}" type="datetimeFigureOut">
               <a:rPr lang="en-US" dirty="0"/>
               <a:pPr/>
-              <a:t>9/9/2022</a:t>
+              <a:t>9/13/2022</a:t>
             </a:fld>
             <a:endParaRPr lang="en-US" dirty="0"/>
           </a:p>
@@ -4377,7 +4385,7 @@
             <a:fld id="{B61BEF0D-F0BB-DE4B-95CE-6DB70DBA9567}" type="datetimeFigureOut">
               <a:rPr lang="en-US" dirty="0"/>
               <a:pPr/>
-              <a:t>9/9/2022</a:t>
+              <a:t>9/13/2022</a:t>
             </a:fld>
             <a:endParaRPr lang="en-US" dirty="0"/>
           </a:p>
@@ -4780,7 +4788,7 @@
             <a:fld id="{B61BEF0D-F0BB-DE4B-95CE-6DB70DBA9567}" type="datetimeFigureOut">
               <a:rPr lang="en-US" dirty="0"/>
               <a:pPr/>
-              <a:t>9/9/2022</a:t>
+              <a:t>9/13/2022</a:t>
             </a:fld>
             <a:endParaRPr lang="en-US" dirty="0"/>
           </a:p>
@@ -6194,6 +6202,786 @@
 </p:sld>
 </file>
 
+<file path=ppt/slides/slide4.xml><?xml version="1.0" encoding="utf-8"?>
+<p:sld xmlns:a="http://schemas.openxmlformats.org/drawingml/2006/main" xmlns:r="http://schemas.openxmlformats.org/officeDocument/2006/relationships" xmlns:p="http://schemas.openxmlformats.org/presentationml/2006/main">
+  <p:cSld>
+    <p:spTree>
+      <p:nvGrpSpPr>
+        <p:cNvPr id="1" name=""/>
+        <p:cNvGrpSpPr/>
+        <p:nvPr/>
+      </p:nvGrpSpPr>
+      <p:grpSpPr>
+        <a:xfrm>
+          <a:off x="0" y="0"/>
+          <a:ext cx="0" cy="0"/>
+          <a:chOff x="0" y="0"/>
+          <a:chExt cx="0" cy="0"/>
+        </a:xfrm>
+      </p:grpSpPr>
+      <p:sp>
+        <p:nvSpPr>
+          <p:cNvPr id="2" name="Cím 1"/>
+          <p:cNvSpPr>
+            <a:spLocks noGrp="1"/>
+          </p:cNvSpPr>
+          <p:nvPr>
+            <p:ph type="title"/>
+          </p:nvPr>
+        </p:nvSpPr>
+        <p:spPr/>
+        <p:txBody>
+          <a:bodyPr/>
+          <a:lstStyle/>
+          <a:p>
+            <a:r>
+              <a:rPr lang="hu-HU" dirty="0" err="1" smtClean="0"/>
+              <a:t>Arnoldc</a:t>
+            </a:r>
+            <a:endParaRPr lang="hu-HU" dirty="0"/>
+          </a:p>
+        </p:txBody>
+      </p:sp>
+      <p:sp>
+        <p:nvSpPr>
+          <p:cNvPr id="3" name="Tartalom helye 2"/>
+          <p:cNvSpPr>
+            <a:spLocks noGrp="1"/>
+          </p:cNvSpPr>
+          <p:nvPr>
+            <p:ph sz="half" idx="1"/>
+          </p:nvPr>
+        </p:nvSpPr>
+        <p:spPr/>
+        <p:txBody>
+          <a:bodyPr>
+            <a:normAutofit fontScale="92500" lnSpcReduction="20000"/>
+          </a:bodyPr>
+          <a:lstStyle/>
+          <a:p>
+            <a:r>
+              <a:rPr lang="hu-HU" dirty="0" smtClean="0">
+                <a:solidFill>
+                  <a:schemeClr val="tx1"/>
+                </a:solidFill>
+              </a:rPr>
+              <a:t>Arnold Schwarzenegger egysorosok</a:t>
+            </a:r>
+          </a:p>
+          <a:p>
+            <a:r>
+              <a:rPr lang="hu-HU" dirty="0" err="1" smtClean="0">
+                <a:solidFill>
+                  <a:schemeClr val="tx1"/>
+                </a:solidFill>
+              </a:rPr>
+              <a:t>Terminator</a:t>
+            </a:r>
+            <a:r>
+              <a:rPr lang="hu-HU" dirty="0" smtClean="0">
+                <a:solidFill>
+                  <a:schemeClr val="tx1"/>
+                </a:solidFill>
+              </a:rPr>
+              <a:t>, </a:t>
+            </a:r>
+            <a:r>
+              <a:rPr lang="hu-HU" dirty="0" err="1" smtClean="0">
+                <a:solidFill>
+                  <a:schemeClr val="tx1"/>
+                </a:solidFill>
+              </a:rPr>
+              <a:t>Predator</a:t>
+            </a:r>
+            <a:r>
+              <a:rPr lang="hu-HU" dirty="0" smtClean="0">
+                <a:solidFill>
+                  <a:schemeClr val="tx1"/>
+                </a:solidFill>
+              </a:rPr>
+              <a:t>, Emlékmás</a:t>
+            </a:r>
+          </a:p>
+          <a:p>
+            <a:r>
+              <a:rPr lang="hu-HU" dirty="0" err="1">
+                <a:solidFill>
+                  <a:schemeClr val="tx1"/>
+                </a:solidFill>
+              </a:rPr>
+              <a:t>Lauri</a:t>
+            </a:r>
+            <a:r>
+              <a:rPr lang="hu-HU" dirty="0">
+                <a:solidFill>
+                  <a:schemeClr val="tx1"/>
+                </a:solidFill>
+              </a:rPr>
+              <a:t> </a:t>
+            </a:r>
+            <a:r>
+              <a:rPr lang="hu-HU" dirty="0" err="1" smtClean="0">
+                <a:solidFill>
+                  <a:schemeClr val="tx1"/>
+                </a:solidFill>
+              </a:rPr>
+              <a:t>Hartikka</a:t>
+            </a:r>
+            <a:r>
+              <a:rPr lang="hu-HU" dirty="0" smtClean="0">
+                <a:solidFill>
+                  <a:schemeClr val="tx1"/>
+                </a:solidFill>
+              </a:rPr>
+              <a:t> készítette</a:t>
+            </a:r>
+          </a:p>
+          <a:p>
+            <a:r>
+              <a:rPr lang="hu-HU" dirty="0" smtClean="0">
+                <a:solidFill>
+                  <a:schemeClr val="tx1"/>
+                </a:solidFill>
+              </a:rPr>
+              <a:t>Csak nagybetű</a:t>
+            </a:r>
+          </a:p>
+          <a:p>
+            <a:r>
+              <a:rPr lang="hu-HU" dirty="0" err="1" smtClean="0">
+                <a:solidFill>
+                  <a:schemeClr val="tx1"/>
+                </a:solidFill>
+              </a:rPr>
+              <a:t>False</a:t>
+            </a:r>
+            <a:r>
+              <a:rPr lang="hu-HU" dirty="0" smtClean="0">
+                <a:solidFill>
+                  <a:schemeClr val="tx1"/>
+                </a:solidFill>
+              </a:rPr>
+              <a:t> – I LIED</a:t>
+            </a:r>
+          </a:p>
+          <a:p>
+            <a:r>
+              <a:rPr lang="hu-HU" dirty="0" err="1" smtClean="0">
+                <a:solidFill>
+                  <a:schemeClr val="tx1"/>
+                </a:solidFill>
+              </a:rPr>
+              <a:t>True</a:t>
+            </a:r>
+            <a:r>
+              <a:rPr lang="hu-HU" dirty="0" smtClean="0">
+                <a:solidFill>
+                  <a:schemeClr val="tx1"/>
+                </a:solidFill>
+              </a:rPr>
+              <a:t> – No </a:t>
+            </a:r>
+            <a:r>
+              <a:rPr lang="hu-HU" dirty="0" err="1" smtClean="0">
+                <a:solidFill>
+                  <a:schemeClr val="tx1"/>
+                </a:solidFill>
+              </a:rPr>
+              <a:t>promplemo</a:t>
+            </a:r>
+            <a:endParaRPr lang="hu-HU" dirty="0" smtClean="0">
+              <a:solidFill>
+                <a:schemeClr val="tx1"/>
+              </a:solidFill>
+            </a:endParaRPr>
+          </a:p>
+          <a:p>
+            <a:r>
+              <a:rPr lang="hu-HU" dirty="0" err="1" smtClean="0">
+                <a:solidFill>
+                  <a:schemeClr val="tx1"/>
+                </a:solidFill>
+              </a:rPr>
+              <a:t>If</a:t>
+            </a:r>
+            <a:r>
+              <a:rPr lang="hu-HU" dirty="0" smtClean="0">
+                <a:solidFill>
+                  <a:schemeClr val="tx1"/>
+                </a:solidFill>
+              </a:rPr>
+              <a:t>- BECAUSE I’M GOING TO SAY PLEASE</a:t>
+            </a:r>
+          </a:p>
+          <a:p>
+            <a:r>
+              <a:rPr lang="hu-HU" dirty="0" err="1" smtClean="0">
+                <a:solidFill>
+                  <a:schemeClr val="tx1"/>
+                </a:solidFill>
+              </a:rPr>
+              <a:t>Else</a:t>
+            </a:r>
+            <a:r>
+              <a:rPr lang="hu-HU" dirty="0" smtClean="0">
+                <a:solidFill>
+                  <a:schemeClr val="tx1"/>
+                </a:solidFill>
+              </a:rPr>
+              <a:t> – BULLSHIT</a:t>
+            </a:r>
+          </a:p>
+          <a:p>
+            <a:r>
+              <a:rPr lang="hu-HU" dirty="0" err="1" smtClean="0">
+                <a:solidFill>
+                  <a:schemeClr val="tx1"/>
+                </a:solidFill>
+              </a:rPr>
+              <a:t>While</a:t>
+            </a:r>
+            <a:r>
+              <a:rPr lang="hu-HU" dirty="0" smtClean="0">
+                <a:solidFill>
+                  <a:schemeClr val="tx1"/>
+                </a:solidFill>
+              </a:rPr>
+              <a:t> – STICK AROUND</a:t>
+            </a:r>
+          </a:p>
+          <a:p>
+            <a:r>
+              <a:rPr lang="hu-HU" dirty="0" err="1" smtClean="0">
+                <a:solidFill>
+                  <a:schemeClr val="tx1"/>
+                </a:solidFill>
+              </a:rPr>
+              <a:t>Return</a:t>
+            </a:r>
+            <a:r>
+              <a:rPr lang="hu-HU" dirty="0" smtClean="0">
+                <a:solidFill>
+                  <a:schemeClr val="tx1"/>
+                </a:solidFill>
+              </a:rPr>
+              <a:t> – I’LL BE BACK</a:t>
+            </a:r>
+            <a:endParaRPr lang="hu-HU" dirty="0">
+              <a:solidFill>
+                <a:schemeClr val="tx1"/>
+              </a:solidFill>
+            </a:endParaRPr>
+          </a:p>
+        </p:txBody>
+      </p:sp>
+      <p:sp>
+        <p:nvSpPr>
+          <p:cNvPr id="7" name="Tartalom helye 6"/>
+          <p:cNvSpPr>
+            <a:spLocks noGrp="1"/>
+          </p:cNvSpPr>
+          <p:nvPr>
+            <p:ph sz="half" idx="2"/>
+          </p:nvPr>
+        </p:nvSpPr>
+        <p:spPr>
+          <a:xfrm>
+            <a:off x="5808133" y="685801"/>
+            <a:ext cx="4934479" cy="3615266"/>
+          </a:xfrm>
+        </p:spPr>
+        <p:txBody>
+          <a:bodyPr>
+            <a:normAutofit fontScale="92500" lnSpcReduction="20000"/>
+          </a:bodyPr>
+          <a:lstStyle/>
+          <a:p>
+            <a:pPr marL="0" indent="0">
+              <a:buNone/>
+            </a:pPr>
+            <a:r>
+              <a:rPr lang="en-US" dirty="0" smtClean="0">
+                <a:solidFill>
+                  <a:schemeClr val="tx1"/>
+                </a:solidFill>
+              </a:rPr>
+              <a:t>IT'S </a:t>
+            </a:r>
+            <a:r>
+              <a:rPr lang="en-US" dirty="0">
+                <a:solidFill>
+                  <a:schemeClr val="tx1"/>
+                </a:solidFill>
+              </a:rPr>
+              <a:t>SHOWTIME</a:t>
+            </a:r>
+          </a:p>
+          <a:p>
+            <a:pPr marL="0" indent="0">
+              <a:buNone/>
+            </a:pPr>
+            <a:r>
+              <a:rPr lang="en-US" dirty="0">
+                <a:solidFill>
+                  <a:schemeClr val="tx1"/>
+                </a:solidFill>
+              </a:rPr>
+              <a:t>TALK TO THE HAND "Hello World!"</a:t>
+            </a:r>
+          </a:p>
+          <a:p>
+            <a:pPr marL="0" indent="0">
+              <a:buNone/>
+            </a:pPr>
+            <a:r>
+              <a:rPr lang="en-US" dirty="0">
+                <a:solidFill>
+                  <a:schemeClr val="tx1"/>
+                </a:solidFill>
+              </a:rPr>
+              <a:t>YOU HAVE BEEN TERMINATED</a:t>
+            </a:r>
+            <a:endParaRPr lang="hu-HU" dirty="0">
+              <a:solidFill>
+                <a:schemeClr val="tx1"/>
+              </a:solidFill>
+            </a:endParaRPr>
+          </a:p>
+        </p:txBody>
+      </p:sp>
+      <p:pic>
+        <p:nvPicPr>
+          <p:cNvPr id="8" name="Kép 7">
+            <a:hlinkClick r:id="rId2"/>
+          </p:cNvPr>
+          <p:cNvPicPr>
+            <a:picLocks noChangeAspect="1"/>
+          </p:cNvPicPr>
+          <p:nvPr/>
+        </p:nvPicPr>
+        <p:blipFill>
+          <a:blip r:embed="rId3">
+            <a:extLst>
+              <a:ext uri="{28A0092B-C50C-407E-A947-70E740481C1C}">
+                <a14:useLocalDpi xmlns:a14="http://schemas.microsoft.com/office/drawing/2010/main" val="0"/>
+              </a:ext>
+            </a:extLst>
+          </a:blip>
+          <a:stretch>
+            <a:fillRect/>
+          </a:stretch>
+        </p:blipFill>
+        <p:spPr>
+          <a:xfrm>
+            <a:off x="5808133" y="3208712"/>
+            <a:ext cx="2684774" cy="3416531"/>
+          </a:xfrm>
+          <a:prstGeom prst="rect">
+            <a:avLst/>
+          </a:prstGeom>
+        </p:spPr>
+      </p:pic>
+      <p:sp>
+        <p:nvSpPr>
+          <p:cNvPr id="9" name="Szövegdoboz 8"/>
+          <p:cNvSpPr txBox="1"/>
+          <p:nvPr/>
+        </p:nvSpPr>
+        <p:spPr>
+          <a:xfrm>
+            <a:off x="6881055" y="6540966"/>
+            <a:ext cx="538930" cy="253916"/>
+          </a:xfrm>
+          <a:prstGeom prst="rect">
+            <a:avLst/>
+          </a:prstGeom>
+          <a:noFill/>
+        </p:spPr>
+        <p:txBody>
+          <a:bodyPr wrap="none" rtlCol="0">
+            <a:spAutoFit/>
+          </a:bodyPr>
+          <a:lstStyle/>
+          <a:p>
+            <a:r>
+              <a:rPr lang="hu-HU" sz="1050" dirty="0" smtClean="0"/>
+              <a:t>forrás</a:t>
+            </a:r>
+            <a:endParaRPr lang="hu-HU" sz="1050" dirty="0"/>
+          </a:p>
+        </p:txBody>
+      </p:sp>
+    </p:spTree>
+    <p:extLst>
+      <p:ext uri="{BB962C8B-B14F-4D97-AF65-F5344CB8AC3E}">
+        <p14:creationId xmlns:p14="http://schemas.microsoft.com/office/powerpoint/2010/main" val="624588263"/>
+      </p:ext>
+    </p:extLst>
+  </p:cSld>
+  <p:clrMapOvr>
+    <a:masterClrMapping/>
+  </p:clrMapOvr>
+  <p:timing>
+    <p:tnLst>
+      <p:par>
+        <p:cTn id="1" dur="indefinite" restart="never" nodeType="tmRoot"/>
+      </p:par>
+    </p:tnLst>
+  </p:timing>
+</p:sld>
+</file>
+
+<file path=ppt/slides/slide5.xml><?xml version="1.0" encoding="utf-8"?>
+<p:sld xmlns:a="http://schemas.openxmlformats.org/drawingml/2006/main" xmlns:r="http://schemas.openxmlformats.org/officeDocument/2006/relationships" xmlns:p="http://schemas.openxmlformats.org/presentationml/2006/main">
+  <p:cSld>
+    <p:spTree>
+      <p:nvGrpSpPr>
+        <p:cNvPr id="1" name=""/>
+        <p:cNvGrpSpPr/>
+        <p:nvPr/>
+      </p:nvGrpSpPr>
+      <p:grpSpPr>
+        <a:xfrm>
+          <a:off x="0" y="0"/>
+          <a:ext cx="0" cy="0"/>
+          <a:chOff x="0" y="0"/>
+          <a:chExt cx="0" cy="0"/>
+        </a:xfrm>
+      </p:grpSpPr>
+      <p:sp>
+        <p:nvSpPr>
+          <p:cNvPr id="2" name="Cím 1"/>
+          <p:cNvSpPr>
+            <a:spLocks noGrp="1"/>
+          </p:cNvSpPr>
+          <p:nvPr>
+            <p:ph type="title"/>
+          </p:nvPr>
+        </p:nvSpPr>
+        <p:spPr/>
+        <p:txBody>
+          <a:bodyPr/>
+          <a:lstStyle/>
+          <a:p>
+            <a:r>
+              <a:rPr lang="hu-HU" dirty="0" err="1" smtClean="0"/>
+              <a:t>Tree</a:t>
+            </a:r>
+            <a:endParaRPr lang="hu-HU" dirty="0"/>
+          </a:p>
+        </p:txBody>
+      </p:sp>
+      <p:sp>
+        <p:nvSpPr>
+          <p:cNvPr id="3" name="Tartalom helye 2"/>
+          <p:cNvSpPr>
+            <a:spLocks noGrp="1"/>
+          </p:cNvSpPr>
+          <p:nvPr>
+            <p:ph sz="half" idx="1"/>
+          </p:nvPr>
+        </p:nvSpPr>
+        <p:spPr/>
+        <p:txBody>
+          <a:bodyPr/>
+          <a:lstStyle/>
+          <a:p>
+            <a:r>
+              <a:rPr lang="hu-HU" dirty="0" err="1" smtClean="0">
+                <a:solidFill>
+                  <a:schemeClr val="tx1"/>
+                </a:solidFill>
+              </a:rPr>
+              <a:t>Tslil</a:t>
+            </a:r>
+            <a:r>
+              <a:rPr lang="hu-HU" dirty="0" smtClean="0">
+                <a:solidFill>
+                  <a:schemeClr val="tx1"/>
+                </a:solidFill>
+              </a:rPr>
+              <a:t> </a:t>
+            </a:r>
+            <a:r>
+              <a:rPr lang="hu-HU" dirty="0" err="1" smtClean="0">
+                <a:solidFill>
+                  <a:schemeClr val="tx1"/>
+                </a:solidFill>
+              </a:rPr>
+              <a:t>Clingman</a:t>
+            </a:r>
+            <a:r>
+              <a:rPr lang="hu-HU" dirty="0" smtClean="0">
+                <a:solidFill>
+                  <a:schemeClr val="tx1"/>
+                </a:solidFill>
+              </a:rPr>
+              <a:t>, 2008</a:t>
+            </a:r>
+          </a:p>
+          <a:p>
+            <a:r>
+              <a:rPr lang="hu-HU" dirty="0" smtClean="0">
+                <a:solidFill>
+                  <a:schemeClr val="tx1"/>
+                </a:solidFill>
+              </a:rPr>
+              <a:t>Fa kinézet</a:t>
+            </a:r>
+          </a:p>
+          <a:p>
+            <a:r>
+              <a:rPr lang="hu-HU" dirty="0" smtClean="0">
+                <a:solidFill>
+                  <a:schemeClr val="tx1"/>
+                </a:solidFill>
+              </a:rPr>
+              <a:t>Ágak, levelek, bogarak</a:t>
+            </a:r>
+          </a:p>
+          <a:p>
+            <a:r>
+              <a:rPr lang="hu-HU" dirty="0" smtClean="0">
+                <a:solidFill>
+                  <a:schemeClr val="tx1"/>
+                </a:solidFill>
+              </a:rPr>
+              <a:t>Ágak: | \ /</a:t>
+            </a:r>
+          </a:p>
+          <a:p>
+            <a:r>
+              <a:rPr lang="hu-HU" dirty="0" smtClean="0">
+                <a:solidFill>
+                  <a:schemeClr val="tx1"/>
+                </a:solidFill>
+              </a:rPr>
+              <a:t>Levelek: +, -, *, %, @, #, ~, ^, v</a:t>
+            </a:r>
+          </a:p>
+          <a:p>
+            <a:r>
+              <a:rPr lang="hu-HU" dirty="0" smtClean="0">
+                <a:solidFill>
+                  <a:schemeClr val="tx1"/>
+                </a:solidFill>
+              </a:rPr>
+              <a:t>Bogarak: &gt;, =, != </a:t>
+            </a:r>
+          </a:p>
+          <a:p>
+            <a:endParaRPr lang="hu-HU" dirty="0">
+              <a:solidFill>
+                <a:schemeClr val="tx1"/>
+              </a:solidFill>
+            </a:endParaRPr>
+          </a:p>
+        </p:txBody>
+      </p:sp>
+      <p:pic>
+        <p:nvPicPr>
+          <p:cNvPr id="9" name="Tartalom helye 8"/>
+          <p:cNvPicPr>
+            <a:picLocks noGrp="1" noChangeAspect="1"/>
+          </p:cNvPicPr>
+          <p:nvPr>
+            <p:ph sz="half" idx="2"/>
+          </p:nvPr>
+        </p:nvPicPr>
+        <p:blipFill>
+          <a:blip r:embed="rId2"/>
+          <a:stretch>
+            <a:fillRect/>
+          </a:stretch>
+        </p:blipFill>
+        <p:spPr>
+          <a:xfrm>
+            <a:off x="5621866" y="685800"/>
+            <a:ext cx="2189692" cy="5266119"/>
+          </a:xfrm>
+          <a:prstGeom prst="rect">
+            <a:avLst/>
+          </a:prstGeom>
+        </p:spPr>
+      </p:pic>
+      <p:sp>
+        <p:nvSpPr>
+          <p:cNvPr id="10" name="Szövegdoboz 9"/>
+          <p:cNvSpPr txBox="1"/>
+          <p:nvPr/>
+        </p:nvSpPr>
+        <p:spPr>
+          <a:xfrm>
+            <a:off x="6040886" y="285690"/>
+            <a:ext cx="1351652" cy="400110"/>
+          </a:xfrm>
+          <a:prstGeom prst="rect">
+            <a:avLst/>
+          </a:prstGeom>
+          <a:noFill/>
+        </p:spPr>
+        <p:txBody>
+          <a:bodyPr wrap="none" rtlCol="0">
+            <a:spAutoFit/>
+          </a:bodyPr>
+          <a:lstStyle/>
+          <a:p>
+            <a:r>
+              <a:rPr lang="hu-HU" sz="2000" dirty="0" smtClean="0"/>
+              <a:t>művészet</a:t>
+            </a:r>
+            <a:endParaRPr lang="hu-HU" sz="2000" dirty="0"/>
+          </a:p>
+        </p:txBody>
+      </p:sp>
+    </p:spTree>
+    <p:extLst>
+      <p:ext uri="{BB962C8B-B14F-4D97-AF65-F5344CB8AC3E}">
+        <p14:creationId xmlns:p14="http://schemas.microsoft.com/office/powerpoint/2010/main" val="4225284192"/>
+      </p:ext>
+    </p:extLst>
+  </p:cSld>
+  <p:clrMapOvr>
+    <a:masterClrMapping/>
+  </p:clrMapOvr>
+</p:sld>
+</file>
+
+<file path=ppt/slides/slide6.xml><?xml version="1.0" encoding="utf-8"?>
+<p:sld xmlns:a="http://schemas.openxmlformats.org/drawingml/2006/main" xmlns:r="http://schemas.openxmlformats.org/officeDocument/2006/relationships" xmlns:p="http://schemas.openxmlformats.org/presentationml/2006/main">
+  <p:cSld>
+    <p:spTree>
+      <p:nvGrpSpPr>
+        <p:cNvPr id="1" name=""/>
+        <p:cNvGrpSpPr/>
+        <p:nvPr/>
+      </p:nvGrpSpPr>
+      <p:grpSpPr>
+        <a:xfrm>
+          <a:off x="0" y="0"/>
+          <a:ext cx="0" cy="0"/>
+          <a:chOff x="0" y="0"/>
+          <a:chExt cx="0" cy="0"/>
+        </a:xfrm>
+      </p:grpSpPr>
+      <p:sp>
+        <p:nvSpPr>
+          <p:cNvPr id="2" name="Cím 1"/>
+          <p:cNvSpPr>
+            <a:spLocks noGrp="1"/>
+          </p:cNvSpPr>
+          <p:nvPr>
+            <p:ph type="title"/>
+          </p:nvPr>
+        </p:nvSpPr>
+        <p:spPr/>
+        <p:txBody>
+          <a:bodyPr/>
+          <a:lstStyle/>
+          <a:p>
+            <a:r>
+              <a:rPr lang="hu-HU" dirty="0" smtClean="0"/>
+              <a:t>Chef</a:t>
+            </a:r>
+            <a:endParaRPr lang="hu-HU" dirty="0"/>
+          </a:p>
+        </p:txBody>
+      </p:sp>
+      <p:sp>
+        <p:nvSpPr>
+          <p:cNvPr id="3" name="Tartalom helye 2"/>
+          <p:cNvSpPr>
+            <a:spLocks noGrp="1"/>
+          </p:cNvSpPr>
+          <p:nvPr>
+            <p:ph sz="half" idx="1"/>
+          </p:nvPr>
+        </p:nvSpPr>
+        <p:spPr/>
+        <p:txBody>
+          <a:bodyPr/>
+          <a:lstStyle/>
+          <a:p>
+            <a:r>
+              <a:rPr lang="hu-HU" dirty="0" smtClean="0">
+                <a:solidFill>
+                  <a:schemeClr val="tx1"/>
+                </a:solidFill>
+              </a:rPr>
+              <a:t>David Morgan-Mar</a:t>
+            </a:r>
+          </a:p>
+          <a:p>
+            <a:r>
+              <a:rPr lang="hu-HU" dirty="0" smtClean="0">
+                <a:solidFill>
+                  <a:schemeClr val="tx1"/>
+                </a:solidFill>
+              </a:rPr>
+              <a:t>A program nevek receptek</a:t>
+            </a:r>
+          </a:p>
+          <a:p>
+            <a:r>
+              <a:rPr lang="hu-HU" dirty="0" smtClean="0">
+                <a:solidFill>
+                  <a:schemeClr val="tx1"/>
+                </a:solidFill>
+              </a:rPr>
+              <a:t>Könnyen elkészíthető és finom</a:t>
+            </a:r>
+          </a:p>
+          <a:p>
+            <a:r>
+              <a:rPr lang="hu-HU" dirty="0" smtClean="0">
+                <a:solidFill>
+                  <a:schemeClr val="tx1"/>
+                </a:solidFill>
+              </a:rPr>
+              <a:t>Metrikus rendszert és tradicionális rendszert használ pl. evőkanál, csésze</a:t>
+            </a:r>
+          </a:p>
+          <a:p>
+            <a:endParaRPr lang="hu-HU" dirty="0">
+              <a:solidFill>
+                <a:schemeClr val="tx1"/>
+              </a:solidFill>
+            </a:endParaRPr>
+          </a:p>
+        </p:txBody>
+      </p:sp>
+      <p:sp>
+        <p:nvSpPr>
+          <p:cNvPr id="8" name="Tartalom helye 7"/>
+          <p:cNvSpPr>
+            <a:spLocks noGrp="1"/>
+          </p:cNvSpPr>
+          <p:nvPr>
+            <p:ph sz="half" idx="2"/>
+          </p:nvPr>
+        </p:nvSpPr>
+        <p:spPr/>
+        <p:txBody>
+          <a:bodyPr/>
+          <a:lstStyle/>
+          <a:p>
+            <a:endParaRPr lang="hu-HU" dirty="0" smtClean="0"/>
+          </a:p>
+        </p:txBody>
+      </p:sp>
+    </p:spTree>
+    <p:extLst>
+      <p:ext uri="{BB962C8B-B14F-4D97-AF65-F5344CB8AC3E}">
+        <p14:creationId xmlns:p14="http://schemas.microsoft.com/office/powerpoint/2010/main" val="3455635771"/>
+      </p:ext>
+    </p:extLst>
+  </p:cSld>
+  <p:clrMapOvr>
+    <a:masterClrMapping/>
+  </p:clrMapOvr>
+</p:sld>
+</file>
+
 <file path=ppt/theme/theme1.xml><?xml version="1.0" encoding="utf-8"?>
 <a:theme xmlns:a="http://schemas.openxmlformats.org/drawingml/2006/main" name="Szelet">
   <a:themeElements>

--- a/A legfurcsább programozási nyelvek.pptx
+++ b/A legfurcsább programozási nyelvek.pptx
@@ -11,6 +11,8 @@
     <p:sldId id="259" r:id="rId5"/>
     <p:sldId id="260" r:id="rId6"/>
     <p:sldId id="261" r:id="rId7"/>
+    <p:sldId id="262" r:id="rId8"/>
+    <p:sldId id="263" r:id="rId9"/>
   </p:sldIdLst>
   <p:sldSz cx="12192000" cy="6858000"/>
   <p:notesSz cx="6858000" cy="9144000"/>
@@ -309,7 +311,7 @@
             <a:fld id="{B61BEF0D-F0BB-DE4B-95CE-6DB70DBA9567}" type="datetimeFigureOut">
               <a:rPr lang="en-US" dirty="0"/>
               <a:pPr/>
-              <a:t>9/13/2022</a:t>
+              <a:t>9/14/2022</a:t>
             </a:fld>
             <a:endParaRPr lang="en-US" dirty="0"/>
           </a:p>
@@ -742,7 +744,7 @@
             <a:fld id="{B61BEF0D-F0BB-DE4B-95CE-6DB70DBA9567}" type="datetimeFigureOut">
               <a:rPr lang="en-US" dirty="0"/>
               <a:pPr/>
-              <a:t>9/13/2022</a:t>
+              <a:t>9/14/2022</a:t>
             </a:fld>
             <a:endParaRPr lang="en-US" dirty="0"/>
           </a:p>
@@ -989,7 +991,7 @@
             <a:fld id="{B61BEF0D-F0BB-DE4B-95CE-6DB70DBA9567}" type="datetimeFigureOut">
               <a:rPr lang="en-US" dirty="0"/>
               <a:pPr/>
-              <a:t>9/13/2022</a:t>
+              <a:t>9/14/2022</a:t>
             </a:fld>
             <a:endParaRPr lang="en-US" dirty="0"/>
           </a:p>
@@ -1294,7 +1296,7 @@
             <a:fld id="{B61BEF0D-F0BB-DE4B-95CE-6DB70DBA9567}" type="datetimeFigureOut">
               <a:rPr lang="en-US" dirty="0"/>
               <a:pPr/>
-              <a:t>9/13/2022</a:t>
+              <a:t>9/14/2022</a:t>
             </a:fld>
             <a:endParaRPr lang="en-US" dirty="0"/>
           </a:p>
@@ -1609,7 +1611,7 @@
             <a:fld id="{B61BEF0D-F0BB-DE4B-95CE-6DB70DBA9567}" type="datetimeFigureOut">
               <a:rPr lang="en-US" dirty="0"/>
               <a:pPr/>
-              <a:t>9/13/2022</a:t>
+              <a:t>9/14/2022</a:t>
             </a:fld>
             <a:endParaRPr lang="en-US" dirty="0"/>
           </a:p>
@@ -1908,7 +1910,7 @@
             <a:fld id="{B61BEF0D-F0BB-DE4B-95CE-6DB70DBA9567}" type="datetimeFigureOut">
               <a:rPr lang="en-US" dirty="0"/>
               <a:pPr/>
-              <a:t>9/13/2022</a:t>
+              <a:t>9/14/2022</a:t>
             </a:fld>
             <a:endParaRPr lang="en-US" dirty="0"/>
           </a:p>
@@ -2272,7 +2274,7 @@
             <a:fld id="{B61BEF0D-F0BB-DE4B-95CE-6DB70DBA9567}" type="datetimeFigureOut">
               <a:rPr lang="en-US" dirty="0"/>
               <a:pPr/>
-              <a:t>9/13/2022</a:t>
+              <a:t>9/14/2022</a:t>
             </a:fld>
             <a:endParaRPr lang="en-US" dirty="0"/>
           </a:p>
@@ -2443,7 +2445,7 @@
             <a:fld id="{B61BEF0D-F0BB-DE4B-95CE-6DB70DBA9567}" type="datetimeFigureOut">
               <a:rPr lang="en-US" dirty="0"/>
               <a:pPr/>
-              <a:t>9/13/2022</a:t>
+              <a:t>9/14/2022</a:t>
             </a:fld>
             <a:endParaRPr lang="en-US" dirty="0"/>
           </a:p>
@@ -2620,7 +2622,7 @@
             <a:fld id="{B61BEF0D-F0BB-DE4B-95CE-6DB70DBA9567}" type="datetimeFigureOut">
               <a:rPr lang="en-US" dirty="0"/>
               <a:pPr/>
-              <a:t>9/13/2022</a:t>
+              <a:t>9/14/2022</a:t>
             </a:fld>
             <a:endParaRPr lang="en-US" dirty="0"/>
           </a:p>
@@ -2787,7 +2789,7 @@
             <a:fld id="{B61BEF0D-F0BB-DE4B-95CE-6DB70DBA9567}" type="datetimeFigureOut">
               <a:rPr lang="en-US" dirty="0"/>
               <a:pPr/>
-              <a:t>9/13/2022</a:t>
+              <a:t>9/14/2022</a:t>
             </a:fld>
             <a:endParaRPr lang="en-US" dirty="0"/>
           </a:p>
@@ -3034,7 +3036,7 @@
             <a:fld id="{B61BEF0D-F0BB-DE4B-95CE-6DB70DBA9567}" type="datetimeFigureOut">
               <a:rPr lang="en-US" dirty="0"/>
               <a:pPr/>
-              <a:t>9/13/2022</a:t>
+              <a:t>9/14/2022</a:t>
             </a:fld>
             <a:endParaRPr lang="en-US" dirty="0"/>
           </a:p>
@@ -3267,7 +3269,7 @@
             <a:fld id="{B61BEF0D-F0BB-DE4B-95CE-6DB70DBA9567}" type="datetimeFigureOut">
               <a:rPr lang="en-US" dirty="0"/>
               <a:pPr/>
-              <a:t>9/13/2022</a:t>
+              <a:t>9/14/2022</a:t>
             </a:fld>
             <a:endParaRPr lang="en-US" dirty="0"/>
           </a:p>
@@ -3646,7 +3648,7 @@
             <a:fld id="{B61BEF0D-F0BB-DE4B-95CE-6DB70DBA9567}" type="datetimeFigureOut">
               <a:rPr lang="en-US" dirty="0"/>
               <a:pPr/>
-              <a:t>9/13/2022</a:t>
+              <a:t>9/14/2022</a:t>
             </a:fld>
             <a:endParaRPr lang="en-US" dirty="0"/>
           </a:p>
@@ -3761,7 +3763,7 @@
             <a:fld id="{B61BEF0D-F0BB-DE4B-95CE-6DB70DBA9567}" type="datetimeFigureOut">
               <a:rPr lang="en-US" dirty="0"/>
               <a:pPr/>
-              <a:t>9/13/2022</a:t>
+              <a:t>9/14/2022</a:t>
             </a:fld>
             <a:endParaRPr lang="en-US" dirty="0"/>
           </a:p>
@@ -3853,7 +3855,7 @@
             <a:fld id="{B61BEF0D-F0BB-DE4B-95CE-6DB70DBA9567}" type="datetimeFigureOut">
               <a:rPr lang="en-US" dirty="0"/>
               <a:pPr/>
-              <a:t>9/13/2022</a:t>
+              <a:t>9/14/2022</a:t>
             </a:fld>
             <a:endParaRPr lang="en-US" dirty="0"/>
           </a:p>
@@ -4105,7 +4107,7 @@
             <a:fld id="{B61BEF0D-F0BB-DE4B-95CE-6DB70DBA9567}" type="datetimeFigureOut">
               <a:rPr lang="en-US" dirty="0"/>
               <a:pPr/>
-              <a:t>9/13/2022</a:t>
+              <a:t>9/14/2022</a:t>
             </a:fld>
             <a:endParaRPr lang="en-US" dirty="0"/>
           </a:p>
@@ -4385,7 +4387,7 @@
             <a:fld id="{B61BEF0D-F0BB-DE4B-95CE-6DB70DBA9567}" type="datetimeFigureOut">
               <a:rPr lang="en-US" dirty="0"/>
               <a:pPr/>
-              <a:t>9/13/2022</a:t>
+              <a:t>9/14/2022</a:t>
             </a:fld>
             <a:endParaRPr lang="en-US" dirty="0"/>
           </a:p>
@@ -4788,7 +4790,7 @@
             <a:fld id="{B61BEF0D-F0BB-DE4B-95CE-6DB70DBA9567}" type="datetimeFigureOut">
               <a:rPr lang="en-US" dirty="0"/>
               <a:pPr/>
-              <a:t>9/13/2022</a:t>
+              <a:t>9/14/2022</a:t>
             </a:fld>
             <a:endParaRPr lang="en-US" dirty="0"/>
           </a:p>
@@ -6844,6 +6846,13 @@
   <p:clrMapOvr>
     <a:masterClrMapping/>
   </p:clrMapOvr>
+  <p:timing>
+    <p:tnLst>
+      <p:par>
+        <p:cTn id="1" dur="indefinite" restart="never" nodeType="tmRoot"/>
+      </p:par>
+    </p:tnLst>
+  </p:timing>
 </p:sld>
 </file>
 
@@ -6866,29 +6875,6 @@
       </p:grpSpPr>
       <p:sp>
         <p:nvSpPr>
-          <p:cNvPr id="2" name="Cím 1"/>
-          <p:cNvSpPr>
-            <a:spLocks noGrp="1"/>
-          </p:cNvSpPr>
-          <p:nvPr>
-            <p:ph type="title"/>
-          </p:nvPr>
-        </p:nvSpPr>
-        <p:spPr/>
-        <p:txBody>
-          <a:bodyPr/>
-          <a:lstStyle/>
-          <a:p>
-            <a:r>
-              <a:rPr lang="hu-HU" dirty="0" smtClean="0"/>
-              <a:t>Chef</a:t>
-            </a:r>
-            <a:endParaRPr lang="hu-HU" dirty="0"/>
-          </a:p>
-        </p:txBody>
-      </p:sp>
-      <p:sp>
-        <p:nvSpPr>
           <p:cNvPr id="3" name="Tartalom helye 2"/>
           <p:cNvSpPr>
             <a:spLocks noGrp="1"/>
@@ -6962,10 +6948,195 @@
         </p:nvSpPr>
         <p:spPr/>
         <p:txBody>
+          <a:bodyPr>
+            <a:normAutofit/>
+          </a:bodyPr>
+          <a:lstStyle/>
+          <a:p>
+            <a:r>
+              <a:rPr lang="hu-HU" dirty="0" smtClean="0">
+                <a:solidFill>
+                  <a:schemeClr val="tx1">
+                    <a:lumMod val="95000"/>
+                  </a:schemeClr>
+                </a:solidFill>
+                <a:hlinkClick r:id="rId2"/>
+              </a:rPr>
+              <a:t>Hello World </a:t>
+            </a:r>
+            <a:r>
+              <a:rPr lang="hu-HU" dirty="0" err="1" smtClean="0">
+                <a:solidFill>
+                  <a:schemeClr val="tx1">
+                    <a:lumMod val="95000"/>
+                  </a:schemeClr>
+                </a:solidFill>
+                <a:hlinkClick r:id="rId2"/>
+              </a:rPr>
+              <a:t>Souffle</a:t>
+            </a:r>
+            <a:endParaRPr lang="hu-HU" dirty="0" smtClean="0">
+              <a:solidFill>
+                <a:schemeClr val="tx1">
+                  <a:lumMod val="95000"/>
+                </a:schemeClr>
+              </a:solidFill>
+            </a:endParaRPr>
+          </a:p>
+          <a:p>
+            <a:r>
+              <a:rPr lang="hu-HU" dirty="0" smtClean="0">
+                <a:solidFill>
+                  <a:schemeClr val="tx1">
+                    <a:lumMod val="95000"/>
+                  </a:schemeClr>
+                </a:solidFill>
+                <a:hlinkClick r:id="rId3"/>
+              </a:rPr>
+              <a:t>Fibonacci </a:t>
+            </a:r>
+            <a:r>
+              <a:rPr lang="hu-HU" dirty="0" err="1" smtClean="0">
+                <a:solidFill>
+                  <a:schemeClr val="tx1">
+                    <a:lumMod val="95000"/>
+                  </a:schemeClr>
+                </a:solidFill>
+                <a:hlinkClick r:id="rId3"/>
+              </a:rPr>
+              <a:t>Numbers</a:t>
+            </a:r>
+            <a:r>
+              <a:rPr lang="hu-HU" dirty="0" smtClean="0">
+                <a:solidFill>
+                  <a:schemeClr val="tx1">
+                    <a:lumMod val="95000"/>
+                  </a:schemeClr>
+                </a:solidFill>
+                <a:hlinkClick r:id="rId3"/>
+              </a:rPr>
+              <a:t> </a:t>
+            </a:r>
+            <a:r>
+              <a:rPr lang="hu-HU" dirty="0" err="1" smtClean="0">
+                <a:solidFill>
+                  <a:schemeClr val="tx1">
+                    <a:lumMod val="95000"/>
+                  </a:schemeClr>
+                </a:solidFill>
+                <a:hlinkClick r:id="rId3"/>
+              </a:rPr>
+              <a:t>with</a:t>
+            </a:r>
+            <a:r>
+              <a:rPr lang="hu-HU" dirty="0" smtClean="0">
+                <a:solidFill>
+                  <a:schemeClr val="tx1">
+                    <a:lumMod val="95000"/>
+                  </a:schemeClr>
+                </a:solidFill>
+                <a:hlinkClick r:id="rId3"/>
+              </a:rPr>
+              <a:t> </a:t>
+            </a:r>
+            <a:r>
+              <a:rPr lang="hu-HU" dirty="0" err="1" smtClean="0">
+                <a:solidFill>
+                  <a:schemeClr val="tx1">
+                    <a:lumMod val="95000"/>
+                  </a:schemeClr>
+                </a:solidFill>
+                <a:hlinkClick r:id="rId3"/>
+              </a:rPr>
+              <a:t>Caramel</a:t>
+            </a:r>
+            <a:r>
+              <a:rPr lang="hu-HU" dirty="0" smtClean="0">
+                <a:solidFill>
+                  <a:schemeClr val="tx1">
+                    <a:lumMod val="95000"/>
+                  </a:schemeClr>
+                </a:solidFill>
+                <a:hlinkClick r:id="rId3"/>
+              </a:rPr>
+              <a:t> </a:t>
+            </a:r>
+            <a:r>
+              <a:rPr lang="hu-HU" dirty="0" err="1" smtClean="0">
+                <a:solidFill>
+                  <a:schemeClr val="tx1">
+                    <a:lumMod val="95000"/>
+                  </a:schemeClr>
+                </a:solidFill>
+                <a:hlinkClick r:id="rId3"/>
+              </a:rPr>
+              <a:t>Sauce</a:t>
+            </a:r>
+            <a:endParaRPr lang="en-US" dirty="0">
+              <a:solidFill>
+                <a:schemeClr val="tx1">
+                  <a:lumMod val="95000"/>
+                </a:schemeClr>
+              </a:solidFill>
+            </a:endParaRPr>
+          </a:p>
+        </p:txBody>
+      </p:sp>
+      <p:pic>
+        <p:nvPicPr>
+          <p:cNvPr id="4" name="Kép 3"/>
+          <p:cNvPicPr>
+            <a:picLocks noChangeAspect="1"/>
+          </p:cNvPicPr>
+          <p:nvPr/>
+        </p:nvPicPr>
+        <p:blipFill>
+          <a:blip r:embed="rId4">
+            <a:extLst>
+              <a:ext uri="{28A0092B-C50C-407E-A947-70E740481C1C}">
+                <a14:useLocalDpi xmlns:a14="http://schemas.microsoft.com/office/drawing/2010/main" val="0"/>
+              </a:ext>
+            </a:extLst>
+          </a:blip>
+          <a:stretch>
+            <a:fillRect/>
+          </a:stretch>
+        </p:blipFill>
+        <p:spPr>
+          <a:xfrm>
+            <a:off x="3756583" y="3962398"/>
+            <a:ext cx="2389657" cy="2556933"/>
+          </a:xfrm>
+          <a:prstGeom prst="rect">
+            <a:avLst/>
+          </a:prstGeom>
+        </p:spPr>
+      </p:pic>
+      <p:sp>
+        <p:nvSpPr>
+          <p:cNvPr id="6" name="Cím 1"/>
+          <p:cNvSpPr>
+            <a:spLocks noGrp="1"/>
+          </p:cNvSpPr>
+          <p:nvPr>
+            <p:ph type="title"/>
+          </p:nvPr>
+        </p:nvSpPr>
+        <p:spPr>
+          <a:xfrm>
+            <a:off x="684212" y="4487332"/>
+            <a:ext cx="8534400" cy="1507067"/>
+          </a:xfrm>
+        </p:spPr>
+        <p:txBody>
           <a:bodyPr/>
           <a:lstStyle/>
           <a:p>
-            <a:endParaRPr lang="hu-HU" dirty="0" smtClean="0"/>
+            <a:r>
+              <a:rPr lang="hu-HU" dirty="0" smtClean="0"/>
+              <a:t>Chef</a:t>
+            </a:r>
+            <a:endParaRPr lang="hu-HU" dirty="0"/>
           </a:p>
         </p:txBody>
       </p:sp>
@@ -6979,6 +7150,1035 @@
   <p:clrMapOvr>
     <a:masterClrMapping/>
   </p:clrMapOvr>
+  <p:timing>
+    <p:tnLst>
+      <p:par>
+        <p:cTn id="1" dur="indefinite" restart="never" nodeType="tmRoot"/>
+      </p:par>
+    </p:tnLst>
+  </p:timing>
+</p:sld>
+</file>
+
+<file path=ppt/slides/slide7.xml><?xml version="1.0" encoding="utf-8"?>
+<p:sld xmlns:a="http://schemas.openxmlformats.org/drawingml/2006/main" xmlns:r="http://schemas.openxmlformats.org/officeDocument/2006/relationships" xmlns:p="http://schemas.openxmlformats.org/presentationml/2006/main">
+  <p:cSld>
+    <p:spTree>
+      <p:nvGrpSpPr>
+        <p:cNvPr id="1" name=""/>
+        <p:cNvGrpSpPr/>
+        <p:nvPr/>
+      </p:nvGrpSpPr>
+      <p:grpSpPr>
+        <a:xfrm>
+          <a:off x="0" y="0"/>
+          <a:ext cx="0" cy="0"/>
+          <a:chOff x="0" y="0"/>
+          <a:chExt cx="0" cy="0"/>
+        </a:xfrm>
+      </p:grpSpPr>
+      <p:sp>
+        <p:nvSpPr>
+          <p:cNvPr id="2" name="Cím 1"/>
+          <p:cNvSpPr>
+            <a:spLocks noGrp="1"/>
+          </p:cNvSpPr>
+          <p:nvPr>
+            <p:ph type="title"/>
+          </p:nvPr>
+        </p:nvSpPr>
+        <p:spPr>
+          <a:xfrm>
+            <a:off x="897154" y="4487332"/>
+            <a:ext cx="8534400" cy="1507067"/>
+          </a:xfrm>
+        </p:spPr>
+        <p:txBody>
+          <a:bodyPr/>
+          <a:lstStyle/>
+          <a:p>
+            <a:r>
+              <a:rPr lang="hu-HU" dirty="0" err="1" smtClean="0"/>
+              <a:t>Trumpscript</a:t>
+            </a:r>
+            <a:endParaRPr lang="hu-HU" dirty="0"/>
+          </a:p>
+        </p:txBody>
+      </p:sp>
+      <p:sp>
+        <p:nvSpPr>
+          <p:cNvPr id="4" name="Tartalom helye 3"/>
+          <p:cNvSpPr>
+            <a:spLocks noGrp="1"/>
+          </p:cNvSpPr>
+          <p:nvPr>
+            <p:ph sz="half" idx="2"/>
+          </p:nvPr>
+        </p:nvSpPr>
+        <p:spPr/>
+        <p:txBody>
+          <a:bodyPr>
+            <a:normAutofit/>
+          </a:bodyPr>
+          <a:lstStyle/>
+          <a:p>
+            <a:r>
+              <a:rPr lang="hu-HU" dirty="0" smtClean="0">
+                <a:solidFill>
+                  <a:schemeClr val="tx1">
+                    <a:lumMod val="95000"/>
+                  </a:schemeClr>
+                </a:solidFill>
+              </a:rPr>
+              <a:t>Hibaüzenetek </a:t>
+            </a:r>
+            <a:r>
+              <a:rPr lang="hu-HU" dirty="0" err="1" smtClean="0">
+                <a:solidFill>
+                  <a:schemeClr val="tx1">
+                    <a:lumMod val="95000"/>
+                  </a:schemeClr>
+                </a:solidFill>
+              </a:rPr>
+              <a:t>Trump</a:t>
+            </a:r>
+            <a:r>
+              <a:rPr lang="hu-HU" dirty="0" smtClean="0">
+                <a:solidFill>
+                  <a:schemeClr val="tx1">
+                    <a:lumMod val="95000"/>
+                  </a:schemeClr>
+                </a:solidFill>
+              </a:rPr>
+              <a:t> </a:t>
+            </a:r>
+            <a:r>
+              <a:rPr lang="hu-HU" dirty="0" err="1" smtClean="0">
+                <a:solidFill>
+                  <a:schemeClr val="tx1">
+                    <a:lumMod val="95000"/>
+                  </a:schemeClr>
+                </a:solidFill>
+              </a:rPr>
+              <a:t>idézetek</a:t>
+            </a:r>
+            <a:endParaRPr lang="hu-HU" dirty="0" smtClean="0">
+              <a:solidFill>
+                <a:schemeClr val="tx1">
+                  <a:lumMod val="95000"/>
+                </a:schemeClr>
+              </a:solidFill>
+            </a:endParaRPr>
+          </a:p>
+          <a:p>
+            <a:r>
+              <a:rPr lang="hu-HU" dirty="0" err="1" smtClean="0">
+                <a:solidFill>
+                  <a:schemeClr val="tx1">
+                    <a:lumMod val="95000"/>
+                  </a:schemeClr>
+                </a:solidFill>
+              </a:rPr>
+              <a:t>True</a:t>
+            </a:r>
+            <a:r>
+              <a:rPr lang="hu-HU" dirty="0" smtClean="0">
+                <a:solidFill>
+                  <a:schemeClr val="tx1">
+                    <a:lumMod val="95000"/>
+                  </a:schemeClr>
+                </a:solidFill>
+              </a:rPr>
+              <a:t> és </a:t>
+            </a:r>
+            <a:r>
+              <a:rPr lang="hu-HU" dirty="0" err="1" smtClean="0">
+                <a:solidFill>
+                  <a:schemeClr val="tx1">
+                    <a:lumMod val="95000"/>
+                  </a:schemeClr>
+                </a:solidFill>
+              </a:rPr>
+              <a:t>False</a:t>
+            </a:r>
+            <a:r>
+              <a:rPr lang="hu-HU" dirty="0" smtClean="0">
+                <a:solidFill>
+                  <a:schemeClr val="tx1">
+                    <a:lumMod val="95000"/>
+                  </a:schemeClr>
+                </a:solidFill>
+              </a:rPr>
+              <a:t> helyett </a:t>
+            </a:r>
+            <a:r>
+              <a:rPr lang="hu-HU" dirty="0" err="1" smtClean="0">
+                <a:solidFill>
+                  <a:schemeClr val="tx1">
+                    <a:lumMod val="95000"/>
+                  </a:schemeClr>
+                </a:solidFill>
+              </a:rPr>
+              <a:t>Fact</a:t>
+            </a:r>
+            <a:r>
+              <a:rPr lang="hu-HU" dirty="0" smtClean="0">
+                <a:solidFill>
+                  <a:schemeClr val="tx1">
+                    <a:lumMod val="95000"/>
+                  </a:schemeClr>
+                </a:solidFill>
+              </a:rPr>
+              <a:t> és Lie</a:t>
+            </a:r>
+          </a:p>
+          <a:p>
+            <a:r>
+              <a:rPr lang="hu-HU" dirty="0" smtClean="0">
+                <a:solidFill>
+                  <a:schemeClr val="tx1">
+                    <a:lumMod val="95000"/>
+                  </a:schemeClr>
+                </a:solidFill>
+              </a:rPr>
+              <a:t>Minden program vége „</a:t>
+            </a:r>
+            <a:r>
+              <a:rPr lang="hu-HU" dirty="0" err="1" smtClean="0">
+                <a:solidFill>
+                  <a:schemeClr val="tx1">
+                    <a:lumMod val="95000"/>
+                  </a:schemeClr>
+                </a:solidFill>
+              </a:rPr>
+              <a:t>America</a:t>
+            </a:r>
+            <a:r>
+              <a:rPr lang="hu-HU" dirty="0" smtClean="0">
+                <a:solidFill>
+                  <a:schemeClr val="tx1">
+                    <a:lumMod val="95000"/>
+                  </a:schemeClr>
+                </a:solidFill>
+              </a:rPr>
+              <a:t> is </a:t>
+            </a:r>
+            <a:r>
+              <a:rPr lang="hu-HU" dirty="0" err="1" smtClean="0">
+                <a:solidFill>
+                  <a:schemeClr val="tx1">
+                    <a:lumMod val="95000"/>
+                  </a:schemeClr>
+                </a:solidFill>
+              </a:rPr>
+              <a:t>great</a:t>
+            </a:r>
+            <a:r>
+              <a:rPr lang="hu-HU" dirty="0" smtClean="0">
+                <a:solidFill>
+                  <a:schemeClr val="tx1">
+                    <a:lumMod val="95000"/>
+                  </a:schemeClr>
+                </a:solidFill>
+              </a:rPr>
+              <a:t>”</a:t>
+            </a:r>
+          </a:p>
+          <a:p>
+            <a:r>
+              <a:rPr lang="hu-HU" dirty="0" smtClean="0">
+                <a:solidFill>
+                  <a:schemeClr val="tx1">
+                    <a:lumMod val="95000"/>
+                  </a:schemeClr>
+                </a:solidFill>
+              </a:rPr>
+              <a:t>Automatikusan kijavítja a Forbes $4.5B $10B-re</a:t>
+            </a:r>
+          </a:p>
+          <a:p>
+            <a:r>
+              <a:rPr lang="hu-HU" dirty="0" smtClean="0">
+                <a:solidFill>
+                  <a:schemeClr val="tx1">
+                    <a:lumMod val="95000"/>
+                  </a:schemeClr>
+                </a:solidFill>
+              </a:rPr>
+              <a:t>Nem támogatja a PC-t mert </a:t>
+            </a:r>
+            <a:r>
+              <a:rPr lang="hu-HU" dirty="0" err="1" smtClean="0">
+                <a:solidFill>
+                  <a:schemeClr val="tx1">
+                    <a:lumMod val="95000"/>
+                  </a:schemeClr>
+                </a:solidFill>
+              </a:rPr>
+              <a:t>Trump</a:t>
+            </a:r>
+            <a:r>
+              <a:rPr lang="hu-HU" dirty="0" smtClean="0">
+                <a:solidFill>
+                  <a:schemeClr val="tx1">
+                    <a:lumMod val="95000"/>
+                  </a:schemeClr>
+                </a:solidFill>
+              </a:rPr>
+              <a:t> nem hisz bennük</a:t>
+            </a:r>
+          </a:p>
+          <a:p>
+            <a:r>
+              <a:rPr lang="hu-HU" dirty="0" err="1" smtClean="0">
+                <a:solidFill>
+                  <a:schemeClr val="tx1">
+                    <a:lumMod val="95000"/>
+                  </a:schemeClr>
+                </a:solidFill>
+              </a:rPr>
+              <a:t>Case</a:t>
+            </a:r>
+            <a:r>
+              <a:rPr lang="hu-HU" dirty="0" smtClean="0">
+                <a:solidFill>
+                  <a:schemeClr val="tx1">
+                    <a:lumMod val="95000"/>
+                  </a:schemeClr>
+                </a:solidFill>
+              </a:rPr>
+              <a:t> </a:t>
+            </a:r>
+            <a:r>
+              <a:rPr lang="hu-HU" dirty="0" err="1" smtClean="0">
+                <a:solidFill>
+                  <a:schemeClr val="tx1">
+                    <a:lumMod val="95000"/>
+                  </a:schemeClr>
+                </a:solidFill>
+              </a:rPr>
+              <a:t>insesitive</a:t>
+            </a:r>
+            <a:endParaRPr lang="hu-HU" dirty="0" smtClean="0">
+              <a:solidFill>
+                <a:schemeClr val="tx1">
+                  <a:lumMod val="95000"/>
+                </a:schemeClr>
+              </a:solidFill>
+            </a:endParaRPr>
+          </a:p>
+        </p:txBody>
+      </p:sp>
+      <p:pic>
+        <p:nvPicPr>
+          <p:cNvPr id="8" name="Tartalom helye 6"/>
+          <p:cNvPicPr>
+            <a:picLocks noGrp="1" noChangeAspect="1"/>
+          </p:cNvPicPr>
+          <p:nvPr>
+            <p:ph sz="half" idx="1"/>
+          </p:nvPr>
+        </p:nvPicPr>
+        <p:blipFill>
+          <a:blip r:embed="rId2">
+            <a:extLst>
+              <a:ext uri="{28A0092B-C50C-407E-A947-70E740481C1C}">
+                <a14:useLocalDpi xmlns:a14="http://schemas.microsoft.com/office/drawing/2010/main" val="0"/>
+              </a:ext>
+            </a:extLst>
+          </a:blip>
+          <a:stretch>
+            <a:fillRect/>
+          </a:stretch>
+        </p:blipFill>
+        <p:spPr>
+          <a:xfrm>
+            <a:off x="3756212" y="4487332"/>
+            <a:ext cx="2390400" cy="2390400"/>
+          </a:xfrm>
+        </p:spPr>
+      </p:pic>
+      <p:pic>
+        <p:nvPicPr>
+          <p:cNvPr id="12" name="Tartalom helye 6"/>
+          <p:cNvPicPr>
+            <a:picLocks noChangeAspect="1"/>
+          </p:cNvPicPr>
+          <p:nvPr/>
+        </p:nvPicPr>
+        <p:blipFill>
+          <a:blip r:embed="rId2">
+            <a:extLst>
+              <a:ext uri="{28A0092B-C50C-407E-A947-70E740481C1C}">
+                <a14:useLocalDpi xmlns:a14="http://schemas.microsoft.com/office/drawing/2010/main" val="0"/>
+              </a:ext>
+            </a:extLst>
+          </a:blip>
+          <a:stretch>
+            <a:fillRect/>
+          </a:stretch>
+        </p:blipFill>
+        <p:spPr>
+          <a:xfrm>
+            <a:off x="4303012" y="4673597"/>
+            <a:ext cx="2390400" cy="2390400"/>
+          </a:xfrm>
+          <a:prstGeom prst="rect">
+            <a:avLst/>
+          </a:prstGeom>
+        </p:spPr>
+      </p:pic>
+      <p:sp>
+        <p:nvSpPr>
+          <p:cNvPr id="13" name="Tartalom helye 12"/>
+          <p:cNvSpPr>
+            <a:spLocks noGrp="1"/>
+          </p:cNvSpPr>
+          <p:nvPr>
+            <p:ph sz="half" idx="1"/>
+          </p:nvPr>
+        </p:nvSpPr>
+        <p:spPr/>
+        <p:txBody>
+          <a:bodyPr>
+            <a:normAutofit lnSpcReduction="10000"/>
+          </a:bodyPr>
+          <a:lstStyle/>
+          <a:p>
+            <a:r>
+              <a:rPr lang="hu-HU" dirty="0" err="1" smtClean="0">
+                <a:solidFill>
+                  <a:schemeClr val="tx1">
+                    <a:lumMod val="95000"/>
+                  </a:schemeClr>
+                </a:solidFill>
+              </a:rPr>
+              <a:t>Make</a:t>
+            </a:r>
+            <a:r>
+              <a:rPr lang="hu-HU" dirty="0" smtClean="0">
+                <a:solidFill>
+                  <a:schemeClr val="tx1">
+                    <a:lumMod val="95000"/>
+                  </a:schemeClr>
+                </a:solidFill>
+              </a:rPr>
+              <a:t> Python Great again</a:t>
+            </a:r>
+          </a:p>
+          <a:p>
+            <a:r>
+              <a:rPr lang="hu-HU" dirty="0" smtClean="0">
+                <a:solidFill>
+                  <a:schemeClr val="tx1">
+                    <a:lumMod val="95000"/>
+                  </a:schemeClr>
+                </a:solidFill>
+              </a:rPr>
+              <a:t>Csak int, nincs tört szám, </a:t>
+            </a:r>
+            <a:r>
+              <a:rPr lang="hu-HU" dirty="0" err="1" smtClean="0">
+                <a:solidFill>
+                  <a:schemeClr val="tx1">
+                    <a:lumMod val="95000"/>
+                  </a:schemeClr>
+                </a:solidFill>
+              </a:rPr>
+              <a:t>amerika</a:t>
+            </a:r>
+            <a:r>
+              <a:rPr lang="hu-HU" dirty="0" smtClean="0">
+                <a:solidFill>
+                  <a:schemeClr val="tx1">
+                    <a:lumMod val="95000"/>
+                  </a:schemeClr>
+                </a:solidFill>
+              </a:rPr>
+              <a:t> semmit nem csinál csak félig</a:t>
+            </a:r>
+          </a:p>
+          <a:p>
+            <a:r>
+              <a:rPr lang="hu-HU" dirty="0" smtClean="0">
+                <a:solidFill>
+                  <a:schemeClr val="tx1">
+                    <a:lumMod val="95000"/>
+                  </a:schemeClr>
+                </a:solidFill>
+              </a:rPr>
+              <a:t>Minden számnak nagyobbnak kell lenni 1 milliónál, kis dolgokra nem adunk</a:t>
+            </a:r>
+          </a:p>
+          <a:p>
+            <a:r>
+              <a:rPr lang="hu-HU" dirty="0" smtClean="0">
+                <a:solidFill>
+                  <a:schemeClr val="tx1">
+                    <a:lumMod val="95000"/>
+                  </a:schemeClr>
+                </a:solidFill>
+              </a:rPr>
+              <a:t>Nincs importálás minden </a:t>
+            </a:r>
+            <a:r>
+              <a:rPr lang="hu-HU" dirty="0" err="1" smtClean="0">
+                <a:solidFill>
+                  <a:schemeClr val="tx1">
+                    <a:lumMod val="95000"/>
+                  </a:schemeClr>
+                </a:solidFill>
+              </a:rPr>
+              <a:t>home</a:t>
+            </a:r>
+            <a:r>
+              <a:rPr lang="hu-HU" dirty="0" smtClean="0">
+                <a:solidFill>
+                  <a:schemeClr val="tx1">
+                    <a:lumMod val="95000"/>
+                  </a:schemeClr>
+                </a:solidFill>
+              </a:rPr>
+              <a:t> </a:t>
+            </a:r>
+            <a:r>
+              <a:rPr lang="hu-HU" dirty="0" err="1" smtClean="0">
+                <a:solidFill>
+                  <a:schemeClr val="tx1">
+                    <a:lumMod val="95000"/>
+                  </a:schemeClr>
+                </a:solidFill>
+              </a:rPr>
+              <a:t>grown</a:t>
+            </a:r>
+            <a:r>
+              <a:rPr lang="hu-HU" dirty="0" smtClean="0">
+                <a:solidFill>
+                  <a:schemeClr val="tx1">
+                    <a:lumMod val="95000"/>
+                  </a:schemeClr>
+                </a:solidFill>
+              </a:rPr>
+              <a:t>, </a:t>
+            </a:r>
+            <a:r>
+              <a:rPr lang="hu-HU" dirty="0" err="1" smtClean="0">
+                <a:solidFill>
+                  <a:schemeClr val="tx1">
+                    <a:lumMod val="95000"/>
+                  </a:schemeClr>
+                </a:solidFill>
+              </a:rPr>
+              <a:t>american</a:t>
+            </a:r>
+            <a:r>
+              <a:rPr lang="hu-HU" dirty="0" smtClean="0">
+                <a:solidFill>
+                  <a:schemeClr val="tx1">
+                    <a:lumMod val="95000"/>
+                  </a:schemeClr>
+                </a:solidFill>
+              </a:rPr>
+              <a:t> made</a:t>
+            </a:r>
+          </a:p>
+          <a:p>
+            <a:r>
+              <a:rPr lang="hu-HU" dirty="0" smtClean="0">
+                <a:solidFill>
+                  <a:schemeClr val="tx1">
+                    <a:lumMod val="95000"/>
+                  </a:schemeClr>
+                </a:solidFill>
+              </a:rPr>
+              <a:t>Csak </a:t>
+            </a:r>
+            <a:r>
+              <a:rPr lang="hu-HU" dirty="0" err="1" smtClean="0">
+                <a:solidFill>
+                  <a:schemeClr val="tx1">
+                    <a:lumMod val="95000"/>
+                  </a:schemeClr>
+                </a:solidFill>
+              </a:rPr>
+              <a:t>Trump</a:t>
+            </a:r>
+            <a:r>
+              <a:rPr lang="hu-HU" dirty="0" smtClean="0">
+                <a:solidFill>
+                  <a:schemeClr val="tx1">
+                    <a:lumMod val="95000"/>
+                  </a:schemeClr>
+                </a:solidFill>
+              </a:rPr>
+              <a:t> kedvenc szavai, jelenlegi </a:t>
+            </a:r>
+            <a:r>
+              <a:rPr lang="hu-HU" dirty="0" err="1" smtClean="0">
+                <a:solidFill>
+                  <a:schemeClr val="tx1">
+                    <a:lumMod val="95000"/>
+                  </a:schemeClr>
+                </a:solidFill>
+              </a:rPr>
+              <a:t>politkusok</a:t>
+            </a:r>
+            <a:r>
+              <a:rPr lang="hu-HU" dirty="0" smtClean="0">
+                <a:solidFill>
+                  <a:schemeClr val="tx1">
+                    <a:lumMod val="95000"/>
+                  </a:schemeClr>
+                </a:solidFill>
+              </a:rPr>
+              <a:t> nevei lehetnek</a:t>
+            </a:r>
+            <a:endParaRPr lang="hu-HU" dirty="0">
+              <a:solidFill>
+                <a:schemeClr val="tx1">
+                  <a:lumMod val="95000"/>
+                </a:schemeClr>
+              </a:solidFill>
+            </a:endParaRPr>
+          </a:p>
+        </p:txBody>
+      </p:sp>
+    </p:spTree>
+    <p:extLst>
+      <p:ext uri="{BB962C8B-B14F-4D97-AF65-F5344CB8AC3E}">
+        <p14:creationId xmlns:p14="http://schemas.microsoft.com/office/powerpoint/2010/main" val="2381392803"/>
+      </p:ext>
+    </p:extLst>
+  </p:cSld>
+  <p:clrMapOvr>
+    <a:masterClrMapping/>
+  </p:clrMapOvr>
+  <p:timing>
+    <p:tnLst>
+      <p:par>
+        <p:cTn id="1" dur="indefinite" restart="never" nodeType="tmRoot"/>
+      </p:par>
+    </p:tnLst>
+  </p:timing>
+</p:sld>
+</file>
+
+<file path=ppt/slides/slide8.xml><?xml version="1.0" encoding="utf-8"?>
+<p:sld xmlns:a="http://schemas.openxmlformats.org/drawingml/2006/main" xmlns:r="http://schemas.openxmlformats.org/officeDocument/2006/relationships" xmlns:p="http://schemas.openxmlformats.org/presentationml/2006/main">
+  <p:cSld>
+    <p:spTree>
+      <p:nvGrpSpPr>
+        <p:cNvPr id="1" name=""/>
+        <p:cNvGrpSpPr/>
+        <p:nvPr/>
+      </p:nvGrpSpPr>
+      <p:grpSpPr>
+        <a:xfrm>
+          <a:off x="0" y="0"/>
+          <a:ext cx="0" cy="0"/>
+          <a:chOff x="0" y="0"/>
+          <a:chExt cx="0" cy="0"/>
+        </a:xfrm>
+      </p:grpSpPr>
+      <p:sp>
+        <p:nvSpPr>
+          <p:cNvPr id="3" name="Tartalom helye 2"/>
+          <p:cNvSpPr>
+            <a:spLocks noGrp="1"/>
+          </p:cNvSpPr>
+          <p:nvPr>
+            <p:ph sz="half" idx="1"/>
+          </p:nvPr>
+        </p:nvSpPr>
+        <p:spPr/>
+        <p:txBody>
+          <a:bodyPr/>
+          <a:lstStyle/>
+          <a:p>
+            <a:r>
+              <a:rPr lang="hu-HU" dirty="0" smtClean="0">
+                <a:solidFill>
+                  <a:schemeClr val="tx1">
+                    <a:lumMod val="95000"/>
+                  </a:schemeClr>
+                </a:solidFill>
+              </a:rPr>
+              <a:t>Nem támogatja az OS X-et amíg az Apple nem ad infót a terroristákról</a:t>
+            </a:r>
+          </a:p>
+          <a:p>
+            <a:r>
+              <a:rPr lang="hu-HU" dirty="0" smtClean="0">
+                <a:solidFill>
+                  <a:schemeClr val="tx1">
+                    <a:lumMod val="95000"/>
+                  </a:schemeClr>
+                </a:solidFill>
+              </a:rPr>
+              <a:t>Nem fog működni kínai gépen, nem lophatnak amerikai technológiát</a:t>
+            </a:r>
+          </a:p>
+          <a:p>
+            <a:r>
+              <a:rPr lang="hu-HU" dirty="0" smtClean="0">
+                <a:solidFill>
+                  <a:schemeClr val="tx1">
+                    <a:lumMod val="95000"/>
+                  </a:schemeClr>
+                </a:solidFill>
+              </a:rPr>
+              <a:t>--Wall </a:t>
+            </a:r>
+            <a:r>
+              <a:rPr lang="hu-HU" dirty="0" err="1" smtClean="0">
+                <a:solidFill>
+                  <a:schemeClr val="tx1">
+                    <a:lumMod val="95000"/>
+                  </a:schemeClr>
+                </a:solidFill>
+              </a:rPr>
+              <a:t>Flag</a:t>
+            </a:r>
+            <a:r>
+              <a:rPr lang="hu-HU" dirty="0" smtClean="0">
+                <a:solidFill>
+                  <a:schemeClr val="tx1">
+                    <a:lumMod val="95000"/>
+                  </a:schemeClr>
+                </a:solidFill>
+              </a:rPr>
+              <a:t> segítségével mexikói gépeken se fog futni</a:t>
+            </a:r>
+          </a:p>
+          <a:p>
+            <a:r>
+              <a:rPr lang="hu-HU" dirty="0" smtClean="0">
+                <a:solidFill>
+                  <a:schemeClr val="tx1">
+                    <a:lumMod val="95000"/>
+                  </a:schemeClr>
+                </a:solidFill>
+              </a:rPr>
+              <a:t>Riaszt a kínai kommunisták ellen</a:t>
+            </a:r>
+          </a:p>
+        </p:txBody>
+      </p:sp>
+      <p:sp>
+        <p:nvSpPr>
+          <p:cNvPr id="4" name="Tartalom helye 3"/>
+          <p:cNvSpPr>
+            <a:spLocks noGrp="1"/>
+          </p:cNvSpPr>
+          <p:nvPr>
+            <p:ph sz="half" idx="2"/>
+          </p:nvPr>
+        </p:nvSpPr>
+        <p:spPr/>
+        <p:txBody>
+          <a:bodyPr/>
+          <a:lstStyle/>
+          <a:p>
+            <a:r>
+              <a:rPr lang="hu-HU" dirty="0">
+                <a:solidFill>
+                  <a:schemeClr val="tx1">
+                    <a:lumMod val="95000"/>
+                  </a:schemeClr>
+                </a:solidFill>
+              </a:rPr>
+              <a:t>Nem fut </a:t>
+            </a:r>
+            <a:r>
+              <a:rPr lang="hu-HU" dirty="0" err="1">
+                <a:solidFill>
+                  <a:schemeClr val="tx1">
+                    <a:lumMod val="95000"/>
+                  </a:schemeClr>
+                </a:solidFill>
+              </a:rPr>
+              <a:t>root-ban</a:t>
+            </a:r>
+            <a:r>
+              <a:rPr lang="hu-HU" dirty="0">
+                <a:solidFill>
+                  <a:schemeClr val="tx1">
+                    <a:lumMod val="95000"/>
+                  </a:schemeClr>
+                </a:solidFill>
+              </a:rPr>
+              <a:t>, </a:t>
+            </a:r>
+            <a:r>
+              <a:rPr lang="hu-HU" dirty="0" err="1">
+                <a:solidFill>
+                  <a:schemeClr val="tx1">
+                    <a:lumMod val="95000"/>
+                  </a:schemeClr>
+                </a:solidFill>
+              </a:rPr>
+              <a:t>amerikának</a:t>
+            </a:r>
+            <a:r>
+              <a:rPr lang="hu-HU" dirty="0">
+                <a:solidFill>
+                  <a:schemeClr val="tx1">
+                    <a:lumMod val="95000"/>
+                  </a:schemeClr>
+                </a:solidFill>
+              </a:rPr>
+              <a:t> nem kell a segítséged, csak </a:t>
+            </a:r>
+            <a:r>
+              <a:rPr lang="hu-HU" dirty="0" err="1" smtClean="0">
+                <a:solidFill>
+                  <a:schemeClr val="tx1">
+                    <a:lumMod val="95000"/>
+                  </a:schemeClr>
+                </a:solidFill>
+              </a:rPr>
+              <a:t>Trump</a:t>
+            </a:r>
+            <a:endParaRPr lang="hu-HU" dirty="0" smtClean="0">
+              <a:solidFill>
+                <a:schemeClr val="tx1">
+                  <a:lumMod val="95000"/>
+                </a:schemeClr>
+              </a:solidFill>
+            </a:endParaRPr>
+          </a:p>
+          <a:p>
+            <a:r>
+              <a:rPr lang="hu-HU" dirty="0" smtClean="0">
+                <a:solidFill>
+                  <a:schemeClr val="tx1">
+                    <a:lumMod val="95000"/>
+                  </a:schemeClr>
+                </a:solidFill>
+              </a:rPr>
+              <a:t>Könnyű használni kis kézzel</a:t>
+            </a:r>
+          </a:p>
+          <a:p>
+            <a:r>
+              <a:rPr lang="hu-HU" dirty="0" smtClean="0">
+                <a:solidFill>
+                  <a:schemeClr val="tx1">
+                    <a:lumMod val="95000"/>
+                  </a:schemeClr>
+                </a:solidFill>
+              </a:rPr>
+              <a:t>Ha esetleg nem működne a mert elutasítja a PC-t és az OS X-et, a </a:t>
+            </a:r>
+            <a:br>
+              <a:rPr lang="hu-HU" dirty="0" smtClean="0">
+                <a:solidFill>
+                  <a:schemeClr val="tx1">
+                    <a:lumMod val="95000"/>
+                  </a:schemeClr>
+                </a:solidFill>
+              </a:rPr>
+            </a:br>
+            <a:r>
+              <a:rPr lang="hu-HU" dirty="0" smtClean="0">
+                <a:solidFill>
+                  <a:schemeClr val="tx1">
+                    <a:lumMod val="95000"/>
+                  </a:schemeClr>
+                </a:solidFill>
+              </a:rPr>
+              <a:t>--</a:t>
+            </a:r>
+            <a:r>
+              <a:rPr lang="hu-HU" dirty="0" err="1" smtClean="0">
+                <a:solidFill>
+                  <a:schemeClr val="tx1">
+                    <a:lumMod val="95000"/>
+                  </a:schemeClr>
+                </a:solidFill>
+              </a:rPr>
+              <a:t>shut_up</a:t>
+            </a:r>
+            <a:r>
+              <a:rPr lang="hu-HU" dirty="0" smtClean="0">
+                <a:solidFill>
+                  <a:schemeClr val="tx1">
+                    <a:lumMod val="95000"/>
+                  </a:schemeClr>
+                </a:solidFill>
+              </a:rPr>
+              <a:t> segíthet</a:t>
+            </a:r>
+          </a:p>
+        </p:txBody>
+      </p:sp>
+      <p:pic>
+        <p:nvPicPr>
+          <p:cNvPr id="5" name="Tartalom helye 6"/>
+          <p:cNvPicPr>
+            <a:picLocks noChangeAspect="1"/>
+          </p:cNvPicPr>
+          <p:nvPr/>
+        </p:nvPicPr>
+        <p:blipFill>
+          <a:blip r:embed="rId2">
+            <a:extLst>
+              <a:ext uri="{28A0092B-C50C-407E-A947-70E740481C1C}">
+                <a14:useLocalDpi xmlns:a14="http://schemas.microsoft.com/office/drawing/2010/main" val="0"/>
+              </a:ext>
+            </a:extLst>
+          </a:blip>
+          <a:stretch>
+            <a:fillRect/>
+          </a:stretch>
+        </p:blipFill>
+        <p:spPr>
+          <a:xfrm>
+            <a:off x="4612933" y="4487332"/>
+            <a:ext cx="2390400" cy="2390400"/>
+          </a:xfrm>
+          <a:prstGeom prst="rect">
+            <a:avLst/>
+          </a:prstGeom>
+        </p:spPr>
+      </p:pic>
+      <p:pic>
+        <p:nvPicPr>
+          <p:cNvPr id="6" name="Kép 5"/>
+          <p:cNvPicPr>
+            <a:picLocks noChangeAspect="1"/>
+          </p:cNvPicPr>
+          <p:nvPr/>
+        </p:nvPicPr>
+        <p:blipFill>
+          <a:blip r:embed="rId3">
+            <a:extLst>
+              <a:ext uri="{28A0092B-C50C-407E-A947-70E740481C1C}">
+                <a14:useLocalDpi xmlns:a14="http://schemas.microsoft.com/office/drawing/2010/main" val="0"/>
+              </a:ext>
+            </a:extLst>
+          </a:blip>
+          <a:stretch>
+            <a:fillRect/>
+          </a:stretch>
+        </p:blipFill>
+        <p:spPr>
+          <a:xfrm>
+            <a:off x="1" y="3883068"/>
+            <a:ext cx="2576058" cy="2974932"/>
+          </a:xfrm>
+          <a:prstGeom prst="rect">
+            <a:avLst/>
+          </a:prstGeom>
+        </p:spPr>
+      </p:pic>
+      <p:pic>
+        <p:nvPicPr>
+          <p:cNvPr id="8" name="Kép 7"/>
+          <p:cNvPicPr>
+            <a:picLocks noChangeAspect="1"/>
+          </p:cNvPicPr>
+          <p:nvPr/>
+        </p:nvPicPr>
+        <p:blipFill>
+          <a:blip r:embed="rId3">
+            <a:extLst>
+              <a:ext uri="{28A0092B-C50C-407E-A947-70E740481C1C}">
+                <a14:useLocalDpi xmlns:a14="http://schemas.microsoft.com/office/drawing/2010/main" val="0"/>
+              </a:ext>
+            </a:extLst>
+          </a:blip>
+          <a:stretch>
+            <a:fillRect/>
+          </a:stretch>
+        </p:blipFill>
+        <p:spPr>
+          <a:xfrm flipH="1">
+            <a:off x="9579391" y="3883068"/>
+            <a:ext cx="2612609" cy="2974932"/>
+          </a:xfrm>
+          <a:prstGeom prst="rect">
+            <a:avLst/>
+          </a:prstGeom>
+        </p:spPr>
+      </p:pic>
+      <p:pic>
+        <p:nvPicPr>
+          <p:cNvPr id="9" name="Kép 8"/>
+          <p:cNvPicPr>
+            <a:picLocks noChangeAspect="1"/>
+          </p:cNvPicPr>
+          <p:nvPr/>
+        </p:nvPicPr>
+        <p:blipFill>
+          <a:blip r:embed="rId3">
+            <a:extLst>
+              <a:ext uri="{28A0092B-C50C-407E-A947-70E740481C1C}">
+                <a14:useLocalDpi xmlns:a14="http://schemas.microsoft.com/office/drawing/2010/main" val="0"/>
+              </a:ext>
+            </a:extLst>
+          </a:blip>
+          <a:stretch>
+            <a:fillRect/>
+          </a:stretch>
+        </p:blipFill>
+        <p:spPr>
+          <a:xfrm flipH="1" flipV="1">
+            <a:off x="10095977" y="-7075"/>
+            <a:ext cx="2096021" cy="2500507"/>
+          </a:xfrm>
+          <a:prstGeom prst="rect">
+            <a:avLst/>
+          </a:prstGeom>
+        </p:spPr>
+      </p:pic>
+      <p:pic>
+        <p:nvPicPr>
+          <p:cNvPr id="10" name="Kép 9"/>
+          <p:cNvPicPr>
+            <a:picLocks noChangeAspect="1"/>
+          </p:cNvPicPr>
+          <p:nvPr/>
+        </p:nvPicPr>
+        <p:blipFill>
+          <a:blip r:embed="rId3">
+            <a:extLst>
+              <a:ext uri="{28A0092B-C50C-407E-A947-70E740481C1C}">
+                <a14:useLocalDpi xmlns:a14="http://schemas.microsoft.com/office/drawing/2010/main" val="0"/>
+              </a:ext>
+            </a:extLst>
+          </a:blip>
+          <a:stretch>
+            <a:fillRect/>
+          </a:stretch>
+        </p:blipFill>
+        <p:spPr>
+          <a:xfrm flipV="1">
+            <a:off x="1" y="-7077"/>
+            <a:ext cx="1014607" cy="2500507"/>
+          </a:xfrm>
+          <a:prstGeom prst="rect">
+            <a:avLst/>
+          </a:prstGeom>
+        </p:spPr>
+      </p:pic>
+    </p:spTree>
+    <p:extLst>
+      <p:ext uri="{BB962C8B-B14F-4D97-AF65-F5344CB8AC3E}">
+        <p14:creationId xmlns:p14="http://schemas.microsoft.com/office/powerpoint/2010/main" val="1388128314"/>
+      </p:ext>
+    </p:extLst>
+  </p:cSld>
+  <p:clrMapOvr>
+    <a:masterClrMapping/>
+  </p:clrMapOvr>
+  <p:timing>
+    <p:tnLst>
+      <p:par>
+        <p:cTn id="1" dur="indefinite" restart="never" nodeType="tmRoot"/>
+      </p:par>
+    </p:tnLst>
+  </p:timing>
 </p:sld>
 </file>
 
